--- a/old/python2_8_04.pptx
+++ b/old/python2_8_04.pptx
@@ -2149,7 +2149,7 @@
           <a:p>
             <a:pPr/>
             <a:r>
-              <a:t>Dr. O’Brien, 3/31/22</a:t>
+              <a:t>Dr. O’Brien, 4/3/22</a:t>
             </a:r>
           </a:p>
         </p:txBody>
@@ -6203,7 +6203,7 @@
               </a:defRPr>
             </a:pPr>
             <a:r>
-              <a:t>Lesson 8.4</a:t>
+              <a:t>Lesson 9.1</a:t>
             </a:r>
           </a:p>
         </p:txBody>
@@ -6258,7 +6258,7 @@
               <a:defRPr sz="1600"/>
             </a:pPr>
             <a:r>
-              <a:t>31 March 2022</a:t>
+              <a:t>4 April 2022</a:t>
             </a:r>
           </a:p>
         </p:txBody>
